--- a/Clase 5/Javascript/Clase8.pptx
+++ b/Clase 5/Javascript/Clase8.pptx
@@ -253,7 +253,7 @@
           <a:p>
             <a:fld id="{56EFBD41-8F30-499F-8836-9A8B592EDCF2}" type="datetimeFigureOut">
               <a:rPr lang="es-CR" smtClean="0"/>
-              <a:t>12/7/2018</a:t>
+              <a:t>11/7/2019</a:t>
             </a:fld>
             <a:endParaRPr lang="es-CR"/>
           </a:p>
@@ -418,7 +418,7 @@
           <a:p>
             <a:fld id="{701C4BE3-AD0D-43FB-97B9-68E31F3243AC}" type="datetimeFigureOut">
               <a:rPr lang="es-CR" smtClean="0"/>
-              <a:t>12/7/2018</a:t>
+              <a:t>11/7/2019</a:t>
             </a:fld>
             <a:endParaRPr lang="es-CR"/>
           </a:p>
@@ -828,7 +828,7 @@
           <a:p>
             <a:fld id="{EABE8AA6-12A8-4B45-AB18-A83908A3A2E6}" type="datetimeFigureOut">
               <a:rPr lang="es-ES" smtClean="0"/>
-              <a:t>12/07/2018</a:t>
+              <a:t>11/07/2019</a:t>
             </a:fld>
             <a:endParaRPr lang="es-ES"/>
           </a:p>
@@ -998,7 +998,7 @@
           <a:p>
             <a:fld id="{EABE8AA6-12A8-4B45-AB18-A83908A3A2E6}" type="datetimeFigureOut">
               <a:rPr lang="es-ES" smtClean="0"/>
-              <a:t>12/07/2018</a:t>
+              <a:t>11/07/2019</a:t>
             </a:fld>
             <a:endParaRPr lang="es-ES"/>
           </a:p>
@@ -1178,7 +1178,7 @@
           <a:p>
             <a:fld id="{EABE8AA6-12A8-4B45-AB18-A83908A3A2E6}" type="datetimeFigureOut">
               <a:rPr lang="es-ES" smtClean="0"/>
-              <a:t>12/07/2018</a:t>
+              <a:t>11/07/2019</a:t>
             </a:fld>
             <a:endParaRPr lang="es-ES"/>
           </a:p>
@@ -1381,7 +1381,7 @@
           <a:p>
             <a:fld id="{EABE8AA6-12A8-4B45-AB18-A83908A3A2E6}" type="datetimeFigureOut">
               <a:rPr lang="es-ES" smtClean="0"/>
-              <a:t>12/07/2018</a:t>
+              <a:t>11/07/2019</a:t>
             </a:fld>
             <a:endParaRPr lang="es-ES"/>
           </a:p>
@@ -1551,7 +1551,7 @@
           <a:p>
             <a:fld id="{EABE8AA6-12A8-4B45-AB18-A83908A3A2E6}" type="datetimeFigureOut">
               <a:rPr lang="es-ES" smtClean="0"/>
-              <a:t>12/07/2018</a:t>
+              <a:t>11/07/2019</a:t>
             </a:fld>
             <a:endParaRPr lang="es-ES"/>
           </a:p>
@@ -1802,7 +1802,7 @@
           <a:p>
             <a:fld id="{EABE8AA6-12A8-4B45-AB18-A83908A3A2E6}" type="datetimeFigureOut">
               <a:rPr lang="es-ES" smtClean="0"/>
-              <a:t>12/07/2018</a:t>
+              <a:t>11/07/2019</a:t>
             </a:fld>
             <a:endParaRPr lang="es-ES"/>
           </a:p>
@@ -2034,7 +2034,7 @@
           <a:p>
             <a:fld id="{EABE8AA6-12A8-4B45-AB18-A83908A3A2E6}" type="datetimeFigureOut">
               <a:rPr lang="es-ES" smtClean="0"/>
-              <a:t>12/07/2018</a:t>
+              <a:t>11/07/2019</a:t>
             </a:fld>
             <a:endParaRPr lang="es-ES"/>
           </a:p>
@@ -2381,7 +2381,7 @@
           <a:p>
             <a:fld id="{EABE8AA6-12A8-4B45-AB18-A83908A3A2E6}" type="datetimeFigureOut">
               <a:rPr lang="es-ES" smtClean="0"/>
-              <a:t>12/07/2018</a:t>
+              <a:t>11/07/2019</a:t>
             </a:fld>
             <a:endParaRPr lang="es-ES"/>
           </a:p>
@@ -2499,7 +2499,7 @@
           <a:p>
             <a:fld id="{73D7E00A-486F-4252-8B1D-E32645521F49}" type="datetime1">
               <a:rPr lang="en-US" smtClean="0"/>
-              <a:t>7/12/2018</a:t>
+              <a:t>7/11/2019</a:t>
             </a:fld>
             <a:endParaRPr lang="en-US"/>
           </a:p>
@@ -2617,7 +2617,7 @@
           <a:p>
             <a:fld id="{EABE8AA6-12A8-4B45-AB18-A83908A3A2E6}" type="datetimeFigureOut">
               <a:rPr lang="es-ES" smtClean="0"/>
-              <a:t>12/07/2018</a:t>
+              <a:t>11/07/2019</a:t>
             </a:fld>
             <a:endParaRPr lang="es-ES"/>
           </a:p>
@@ -2901,7 +2901,7 @@
           <a:p>
             <a:fld id="{EABE8AA6-12A8-4B45-AB18-A83908A3A2E6}" type="datetimeFigureOut">
               <a:rPr lang="es-ES" smtClean="0"/>
-              <a:t>12/07/2018</a:t>
+              <a:t>11/07/2019</a:t>
             </a:fld>
             <a:endParaRPr lang="es-ES"/>
           </a:p>
@@ -3071,7 +3071,7 @@
           <a:p>
             <a:fld id="{EABE8AA6-12A8-4B45-AB18-A83908A3A2E6}" type="datetimeFigureOut">
               <a:rPr lang="es-ES" smtClean="0"/>
-              <a:t>12/07/2018</a:t>
+              <a:t>11/07/2019</a:t>
             </a:fld>
             <a:endParaRPr lang="es-ES"/>
           </a:p>
@@ -3335,7 +3335,7 @@
           <a:p>
             <a:fld id="{EABE8AA6-12A8-4B45-AB18-A83908A3A2E6}" type="datetimeFigureOut">
               <a:rPr lang="es-ES" smtClean="0"/>
-              <a:t>12/07/2018</a:t>
+              <a:t>11/07/2019</a:t>
             </a:fld>
             <a:endParaRPr lang="es-ES"/>
           </a:p>
@@ -3505,7 +3505,7 @@
           <a:p>
             <a:fld id="{EABE8AA6-12A8-4B45-AB18-A83908A3A2E6}" type="datetimeFigureOut">
               <a:rPr lang="es-ES" smtClean="0"/>
-              <a:t>12/07/2018</a:t>
+              <a:t>11/07/2019</a:t>
             </a:fld>
             <a:endParaRPr lang="es-ES"/>
           </a:p>
@@ -3685,7 +3685,7 @@
           <a:p>
             <a:fld id="{EABE8AA6-12A8-4B45-AB18-A83908A3A2E6}" type="datetimeFigureOut">
               <a:rPr lang="es-ES" smtClean="0"/>
-              <a:t>12/07/2018</a:t>
+              <a:t>11/07/2019</a:t>
             </a:fld>
             <a:endParaRPr lang="es-ES"/>
           </a:p>
@@ -3877,7 +3877,7 @@
           <a:p>
             <a:fld id="{EABE8AA6-12A8-4B45-AB18-A83908A3A2E6}" type="datetimeFigureOut">
               <a:rPr lang="es-ES" smtClean="0"/>
-              <a:t>12/07/2018</a:t>
+              <a:t>11/07/2019</a:t>
             </a:fld>
             <a:endParaRPr lang="es-ES"/>
           </a:p>
@@ -4138,7 +4138,7 @@
           <a:p>
             <a:fld id="{EABE8AA6-12A8-4B45-AB18-A83908A3A2E6}" type="datetimeFigureOut">
               <a:rPr lang="es-ES" smtClean="0"/>
-              <a:t>12/07/2018</a:t>
+              <a:t>11/07/2019</a:t>
             </a:fld>
             <a:endParaRPr lang="es-ES"/>
           </a:p>
@@ -4529,7 +4529,7 @@
           <a:p>
             <a:fld id="{EABE8AA6-12A8-4B45-AB18-A83908A3A2E6}" type="datetimeFigureOut">
               <a:rPr lang="es-ES" smtClean="0"/>
-              <a:t>12/07/2018</a:t>
+              <a:t>11/07/2019</a:t>
             </a:fld>
             <a:endParaRPr lang="es-ES"/>
           </a:p>
@@ -4817,7 +4817,7 @@
           <a:p>
             <a:fld id="{EABE8AA6-12A8-4B45-AB18-A83908A3A2E6}" type="datetimeFigureOut">
               <a:rPr lang="es-ES" smtClean="0"/>
-              <a:t>12/07/2018</a:t>
+              <a:t>11/07/2019</a:t>
             </a:fld>
             <a:endParaRPr lang="es-ES"/>
           </a:p>
@@ -5240,7 +5240,7 @@
           <a:p>
             <a:fld id="{EABE8AA6-12A8-4B45-AB18-A83908A3A2E6}" type="datetimeFigureOut">
               <a:rPr lang="es-ES" smtClean="0"/>
-              <a:t>12/07/2018</a:t>
+              <a:t>11/07/2019</a:t>
             </a:fld>
             <a:endParaRPr lang="es-ES"/>
           </a:p>
@@ -5358,7 +5358,7 @@
           <a:p>
             <a:fld id="{73D7E00A-486F-4252-8B1D-E32645521F49}" type="datetime1">
               <a:rPr lang="en-US" smtClean="0"/>
-              <a:t>7/12/2018</a:t>
+              <a:t>7/11/2019</a:t>
             </a:fld>
             <a:endParaRPr lang="en-US"/>
           </a:p>
@@ -5453,7 +5453,7 @@
           <a:p>
             <a:fld id="{EABE8AA6-12A8-4B45-AB18-A83908A3A2E6}" type="datetimeFigureOut">
               <a:rPr lang="es-ES" smtClean="0"/>
-              <a:t>12/07/2018</a:t>
+              <a:t>11/07/2019</a:t>
             </a:fld>
             <a:endParaRPr lang="es-ES"/>
           </a:p>
@@ -5704,7 +5704,7 @@
           <a:p>
             <a:fld id="{EABE8AA6-12A8-4B45-AB18-A83908A3A2E6}" type="datetimeFigureOut">
               <a:rPr lang="es-ES" smtClean="0"/>
-              <a:t>12/07/2018</a:t>
+              <a:t>11/07/2019</a:t>
             </a:fld>
             <a:endParaRPr lang="es-ES"/>
           </a:p>
@@ -5981,7 +5981,7 @@
           <a:p>
             <a:fld id="{EABE8AA6-12A8-4B45-AB18-A83908A3A2E6}" type="datetimeFigureOut">
               <a:rPr lang="es-ES" smtClean="0"/>
-              <a:t>12/07/2018</a:t>
+              <a:t>11/07/2019</a:t>
             </a:fld>
             <a:endParaRPr lang="es-ES"/>
           </a:p>
@@ -6238,7 +6238,7 @@
           <a:p>
             <a:fld id="{EABE8AA6-12A8-4B45-AB18-A83908A3A2E6}" type="datetimeFigureOut">
               <a:rPr lang="es-ES" smtClean="0"/>
-              <a:t>12/07/2018</a:t>
+              <a:t>11/07/2019</a:t>
             </a:fld>
             <a:endParaRPr lang="es-ES"/>
           </a:p>
@@ -6408,7 +6408,7 @@
           <a:p>
             <a:fld id="{EABE8AA6-12A8-4B45-AB18-A83908A3A2E6}" type="datetimeFigureOut">
               <a:rPr lang="es-ES" smtClean="0"/>
-              <a:t>12/07/2018</a:t>
+              <a:t>11/07/2019</a:t>
             </a:fld>
             <a:endParaRPr lang="es-ES"/>
           </a:p>
@@ -6588,7 +6588,7 @@
           <a:p>
             <a:fld id="{EABE8AA6-12A8-4B45-AB18-A83908A3A2E6}" type="datetimeFigureOut">
               <a:rPr lang="es-ES" smtClean="0"/>
-              <a:t>12/07/2018</a:t>
+              <a:t>11/07/2019</a:t>
             </a:fld>
             <a:endParaRPr lang="es-ES"/>
           </a:p>
@@ -7128,7 +7128,7 @@
           <a:p>
             <a:fld id="{EABE8AA6-12A8-4B45-AB18-A83908A3A2E6}" type="datetimeFigureOut">
               <a:rPr lang="es-ES" smtClean="0"/>
-              <a:t>12/07/2018</a:t>
+              <a:t>11/07/2019</a:t>
             </a:fld>
             <a:endParaRPr lang="es-ES"/>
           </a:p>
@@ -7475,7 +7475,7 @@
           <a:p>
             <a:fld id="{EABE8AA6-12A8-4B45-AB18-A83908A3A2E6}" type="datetimeFigureOut">
               <a:rPr lang="es-ES" smtClean="0"/>
-              <a:t>12/07/2018</a:t>
+              <a:t>11/07/2019</a:t>
             </a:fld>
             <a:endParaRPr lang="es-ES"/>
           </a:p>
@@ -7593,7 +7593,7 @@
           <a:p>
             <a:fld id="{73D7E00A-486F-4252-8B1D-E32645521F49}" type="datetime1">
               <a:rPr lang="en-US" smtClean="0"/>
-              <a:t>7/12/2018</a:t>
+              <a:t>7/11/2019</a:t>
             </a:fld>
             <a:endParaRPr lang="en-US"/>
           </a:p>
@@ -8031,7 +8031,7 @@
           <a:p>
             <a:fld id="{EABE8AA6-12A8-4B45-AB18-A83908A3A2E6}" type="datetimeFigureOut">
               <a:rPr lang="es-ES" smtClean="0"/>
-              <a:t>12/07/2018</a:t>
+              <a:t>11/07/2019</a:t>
             </a:fld>
             <a:endParaRPr lang="es-ES"/>
           </a:p>
@@ -8295,7 +8295,7 @@
           <a:p>
             <a:fld id="{EABE8AA6-12A8-4B45-AB18-A83908A3A2E6}" type="datetimeFigureOut">
               <a:rPr lang="es-ES" smtClean="0"/>
-              <a:t>12/07/2018</a:t>
+              <a:t>11/07/2019</a:t>
             </a:fld>
             <a:endParaRPr lang="es-ES"/>
           </a:p>
@@ -8509,7 +8509,7 @@
           <a:p>
             <a:fld id="{5586B75A-687E-405C-8A0B-8D00578BA2C3}" type="datetime1">
               <a:rPr lang="en-US" smtClean="0"/>
-              <a:t>7/12/2018</a:t>
+              <a:t>7/11/2019</a:t>
             </a:fld>
             <a:endParaRPr lang="en-US"/>
           </a:p>
@@ -9039,7 +9039,7 @@
           <a:p>
             <a:fld id="{5586B75A-687E-405C-8A0B-8D00578BA2C3}" type="datetime1">
               <a:rPr lang="en-US" smtClean="0"/>
-              <a:t>7/12/2018</a:t>
+              <a:t>7/11/2019</a:t>
             </a:fld>
             <a:endParaRPr lang="en-US"/>
           </a:p>
@@ -9568,7 +9568,7 @@
           <a:p>
             <a:fld id="{5586B75A-687E-405C-8A0B-8D00578BA2C3}" type="datetime1">
               <a:rPr lang="en-US" smtClean="0"/>
-              <a:t>7/12/2018</a:t>
+              <a:t>7/11/2019</a:t>
             </a:fld>
             <a:endParaRPr lang="en-US"/>
           </a:p>
@@ -11840,7 +11840,7 @@
             </a:pPr>
             <a:r>
               <a:rPr lang="es-CR" dirty="0"/>
-              <a:t>2018</a:t>
+              <a:t>2019</a:t>
             </a:r>
           </a:p>
         </p:txBody>
@@ -13808,7 +13808,6 @@
           </p:cNvGraphicFramePr>
           <p:nvPr>
             <p:ph idx="1"/>
-            <p:extLst/>
           </p:nvPr>
         </p:nvGraphicFramePr>
         <p:xfrm>
